--- a/week6_AI_2_NLP_RNN/PPT/3_WordEmbeddingAndWord2vec.pptx
+++ b/week6_AI_2_NLP_RNN/PPT/3_WordEmbeddingAndWord2vec.pptx
@@ -287,7 +287,7 @@
           <a:p>
             <a:fld id="{A15A6932-5899-40FB-945A-7891655F7641}" type="datetimeFigureOut">
               <a:rPr lang="zh-TW" altLang="en-US" smtClean="0"/>
-              <a:t>2022/8/18</a:t>
+              <a:t>2023/5/5</a:t>
             </a:fld>
             <a:endParaRPr lang="zh-TW" altLang="en-US"/>
           </a:p>
@@ -457,7 +457,7 @@
           <a:p>
             <a:fld id="{A15A6932-5899-40FB-945A-7891655F7641}" type="datetimeFigureOut">
               <a:rPr lang="zh-TW" altLang="en-US" smtClean="0"/>
-              <a:t>2022/8/18</a:t>
+              <a:t>2023/5/5</a:t>
             </a:fld>
             <a:endParaRPr lang="zh-TW" altLang="en-US"/>
           </a:p>
@@ -637,7 +637,7 @@
           <a:p>
             <a:fld id="{A15A6932-5899-40FB-945A-7891655F7641}" type="datetimeFigureOut">
               <a:rPr lang="zh-TW" altLang="en-US" smtClean="0"/>
-              <a:t>2022/8/18</a:t>
+              <a:t>2023/5/5</a:t>
             </a:fld>
             <a:endParaRPr lang="zh-TW" altLang="en-US"/>
           </a:p>
@@ -807,7 +807,7 @@
           <a:p>
             <a:fld id="{A15A6932-5899-40FB-945A-7891655F7641}" type="datetimeFigureOut">
               <a:rPr lang="zh-TW" altLang="en-US" smtClean="0"/>
-              <a:t>2022/8/18</a:t>
+              <a:t>2023/5/5</a:t>
             </a:fld>
             <a:endParaRPr lang="zh-TW" altLang="en-US"/>
           </a:p>
@@ -1051,7 +1051,7 @@
           <a:p>
             <a:fld id="{A15A6932-5899-40FB-945A-7891655F7641}" type="datetimeFigureOut">
               <a:rPr lang="zh-TW" altLang="en-US" smtClean="0"/>
-              <a:t>2022/8/18</a:t>
+              <a:t>2023/5/5</a:t>
             </a:fld>
             <a:endParaRPr lang="zh-TW" altLang="en-US"/>
           </a:p>
@@ -1283,7 +1283,7 @@
           <a:p>
             <a:fld id="{A15A6932-5899-40FB-945A-7891655F7641}" type="datetimeFigureOut">
               <a:rPr lang="zh-TW" altLang="en-US" smtClean="0"/>
-              <a:t>2022/8/18</a:t>
+              <a:t>2023/5/5</a:t>
             </a:fld>
             <a:endParaRPr lang="zh-TW" altLang="en-US"/>
           </a:p>
@@ -1650,7 +1650,7 @@
           <a:p>
             <a:fld id="{A15A6932-5899-40FB-945A-7891655F7641}" type="datetimeFigureOut">
               <a:rPr lang="zh-TW" altLang="en-US" smtClean="0"/>
-              <a:t>2022/8/18</a:t>
+              <a:t>2023/5/5</a:t>
             </a:fld>
             <a:endParaRPr lang="zh-TW" altLang="en-US"/>
           </a:p>
@@ -1768,7 +1768,7 @@
           <a:p>
             <a:fld id="{A15A6932-5899-40FB-945A-7891655F7641}" type="datetimeFigureOut">
               <a:rPr lang="zh-TW" altLang="en-US" smtClean="0"/>
-              <a:t>2022/8/18</a:t>
+              <a:t>2023/5/5</a:t>
             </a:fld>
             <a:endParaRPr lang="zh-TW" altLang="en-US"/>
           </a:p>
@@ -1863,7 +1863,7 @@
           <a:p>
             <a:fld id="{A15A6932-5899-40FB-945A-7891655F7641}" type="datetimeFigureOut">
               <a:rPr lang="zh-TW" altLang="en-US" smtClean="0"/>
-              <a:t>2022/8/18</a:t>
+              <a:t>2023/5/5</a:t>
             </a:fld>
             <a:endParaRPr lang="zh-TW" altLang="en-US"/>
           </a:p>
@@ -2140,7 +2140,7 @@
           <a:p>
             <a:fld id="{A15A6932-5899-40FB-945A-7891655F7641}" type="datetimeFigureOut">
               <a:rPr lang="zh-TW" altLang="en-US" smtClean="0"/>
-              <a:t>2022/8/18</a:t>
+              <a:t>2023/5/5</a:t>
             </a:fld>
             <a:endParaRPr lang="zh-TW" altLang="en-US"/>
           </a:p>
@@ -2397,7 +2397,7 @@
           <a:p>
             <a:fld id="{A15A6932-5899-40FB-945A-7891655F7641}" type="datetimeFigureOut">
               <a:rPr lang="zh-TW" altLang="en-US" smtClean="0"/>
-              <a:t>2022/8/18</a:t>
+              <a:t>2023/5/5</a:t>
             </a:fld>
             <a:endParaRPr lang="zh-TW" altLang="en-US"/>
           </a:p>
@@ -2610,7 +2610,7 @@
           <a:p>
             <a:fld id="{A15A6932-5899-40FB-945A-7891655F7641}" type="datetimeFigureOut">
               <a:rPr lang="zh-TW" altLang="en-US" smtClean="0"/>
-              <a:t>2022/8/18</a:t>
+              <a:t>2023/5/5</a:t>
             </a:fld>
             <a:endParaRPr lang="zh-TW" altLang="en-US"/>
           </a:p>
@@ -12834,7 +12834,7 @@
         </p:blipFill>
         <p:spPr>
           <a:xfrm>
-            <a:off x="4065998" y="1279873"/>
+            <a:off x="4065998" y="1640796"/>
             <a:ext cx="4165311" cy="3159891"/>
           </a:xfrm>
           <a:prstGeom prst="rect">
@@ -12913,7 +12913,7 @@
         </p:nvSpPr>
         <p:spPr>
           <a:xfrm>
-            <a:off x="4482755" y="1056021"/>
+            <a:off x="4337149" y="1422946"/>
             <a:ext cx="3026982" cy="584775"/>
           </a:xfrm>
           <a:prstGeom prst="rect">
